--- a/cn-papers-review/review articles bio-inspired algorithms.pptx
+++ b/cn-papers-review/review articles bio-inspired algorithms.pptx
@@ -11149,8 +11149,8 @@
         </p:nvSpPr>
         <p:spPr>
           <a:xfrm>
-            <a:off x="458012" y="961987"/>
-            <a:ext cx="1148538" cy="1846659"/>
+            <a:off x="539750" y="825500"/>
+            <a:ext cx="1371600" cy="2154436"/>
           </a:xfrm>
           <a:prstGeom prst="rect">
             <a:avLst/>
@@ -11607,6 +11607,55 @@
                 <a:cs typeface="Tahoma"/>
               </a:rPr>
               <a:t>Vaga-lume</a:t>
+            </a:r>
+          </a:p>
+          <a:p>
+            <a:pPr marL="12700">
+              <a:lnSpc>
+                <a:spcPts val="1200"/>
+              </a:lnSpc>
+            </a:pPr>
+            <a:r>
+              <a:rPr lang="pt-BR" sz="1050" spc="97" baseline="7936" dirty="0">
+                <a:solidFill>
+                  <a:srgbClr val="3333B2"/>
+                </a:solidFill>
+                <a:latin typeface="Lucida Sans Unicode"/>
+                <a:cs typeface="Lucida Sans Unicode"/>
+              </a:rPr>
+              <a:t>▶ </a:t>
+            </a:r>
+            <a:r>
+              <a:rPr lang="pt-BR" sz="1050" spc="-50" dirty="0">
+                <a:latin typeface="Tahoma" panose="020B0604030504040204" pitchFamily="34" charset="0"/>
+                <a:ea typeface="Tahoma" panose="020B0604030504040204" pitchFamily="34" charset="0"/>
+                <a:cs typeface="Tahoma" panose="020B0604030504040204" pitchFamily="34" charset="0"/>
+              </a:rPr>
+              <a:t>Infestação de Baratas</a:t>
+            </a:r>
+          </a:p>
+          <a:p>
+            <a:pPr marL="12700">
+              <a:lnSpc>
+                <a:spcPts val="1200"/>
+              </a:lnSpc>
+            </a:pPr>
+            <a:r>
+              <a:rPr lang="pt-BR" sz="1050" spc="97" baseline="7936" dirty="0">
+                <a:solidFill>
+                  <a:srgbClr val="3333B2"/>
+                </a:solidFill>
+                <a:latin typeface="Lucida Sans Unicode"/>
+                <a:cs typeface="Lucida Sans Unicode"/>
+              </a:rPr>
+              <a:t>▶ </a:t>
+            </a:r>
+            <a:r>
+              <a:rPr lang="en-US" sz="1050" spc="-50" dirty="0">
+                <a:latin typeface="Tahoma"/>
+                <a:cs typeface="Tahoma"/>
+              </a:rPr>
+              <a:t>Mosquito</a:t>
             </a:r>
             <a:endParaRPr lang="pt-BR" sz="1050" dirty="0">
               <a:latin typeface="Tahoma"/>
